--- a/Apresentação.pptx
+++ b/Apresentação.pptx
@@ -3058,7 +3058,7 @@
         <p:spPr>
           <a:xfrm>
             <a:off x="4835144" y="2022157"/>
-            <a:ext cx="3598545" cy="3018790"/>
+            <a:ext cx="3598545" cy="2907270"/>
           </a:xfrm>
           <a:prstGeom prst="rect">
             <a:avLst/>
@@ -3176,7 +3176,42 @@
               </a:rPr>
               <a:t>Catarina</a:t>
             </a:r>
-            <a:endParaRPr sz="1400">
+            <a:endParaRPr lang="pt-BR" sz="1400" b="1" spc="20" dirty="0">
+              <a:latin typeface="Verdana"/>
+              <a:cs typeface="Verdana"/>
+            </a:endParaRPr>
+          </a:p>
+          <a:p>
+            <a:pPr marL="12700" marR="5080">
+              <a:lnSpc>
+                <a:spcPts val="1650"/>
+              </a:lnSpc>
+              <a:spcBef>
+                <a:spcPts val="204"/>
+              </a:spcBef>
+            </a:pPr>
+            <a:endParaRPr lang="pt-BR" sz="1400" b="1" spc="20" dirty="0">
+              <a:latin typeface="Verdana"/>
+              <a:cs typeface="Verdana"/>
+            </a:endParaRPr>
+          </a:p>
+          <a:p>
+            <a:pPr marL="12700" marR="5080">
+              <a:lnSpc>
+                <a:spcPts val="1650"/>
+              </a:lnSpc>
+              <a:spcBef>
+                <a:spcPts val="204"/>
+              </a:spcBef>
+            </a:pPr>
+            <a:r>
+              <a:rPr lang="pt-BR" sz="1400" u="sng" dirty="0">
+                <a:latin typeface="Verdana"/>
+                <a:cs typeface="Verdana"/>
+              </a:rPr>
+              <a:t>robson.jesus@edu.udesc.br</a:t>
+            </a:r>
+            <a:endParaRPr sz="1400" u="sng" dirty="0">
               <a:latin typeface="Verdana"/>
               <a:cs typeface="Verdana"/>
             </a:endParaRPr>
@@ -3191,165 +3226,28 @@
               </a:spcBef>
             </a:pPr>
             <a:r>
-              <a:rPr sz="1400" spc="10" dirty="0">
+              <a:rPr sz="1400" spc="15" dirty="0">
                 <a:latin typeface="Verdana"/>
                 <a:cs typeface="Verdana"/>
                 <a:hlinkClick r:id="rId3"/>
               </a:rPr>
-              <a:t>c</a:t>
-            </a:r>
-            <a:r>
-              <a:rPr sz="1400" spc="45" dirty="0">
-                <a:latin typeface="Verdana"/>
-                <a:cs typeface="Verdana"/>
-                <a:hlinkClick r:id="rId3"/>
+              <a:t>www.udesc.br</a:t>
+            </a:r>
+            <a:r>
+              <a:rPr lang="pt-BR" sz="1400" spc="15" dirty="0">
+                <a:latin typeface="Verdana"/>
+                <a:cs typeface="Verdana"/>
               </a:rPr>
-              <a:t>o</a:t>
-            </a:r>
-            <a:r>
-              <a:rPr sz="1400" spc="15" dirty="0">
-                <a:latin typeface="Verdana"/>
-                <a:cs typeface="Verdana"/>
-                <a:hlinkClick r:id="rId3"/>
+              <a:t>/</a:t>
+            </a:r>
+            <a:r>
+              <a:rPr lang="pt-BR" sz="1400" spc="15" dirty="0" err="1">
+                <a:latin typeface="Verdana"/>
+                <a:cs typeface="Verdana"/>
               </a:rPr>
-              <a:t>n</a:t>
-            </a:r>
-            <a:r>
-              <a:rPr sz="1400" spc="-30" dirty="0">
-                <a:latin typeface="Verdana"/>
-                <a:cs typeface="Verdana"/>
-                <a:hlinkClick r:id="rId3"/>
-              </a:rPr>
-              <a:t>t</a:t>
-            </a:r>
-            <a:r>
-              <a:rPr sz="1400" spc="-15" dirty="0">
-                <a:latin typeface="Verdana"/>
-                <a:cs typeface="Verdana"/>
-                <a:hlinkClick r:id="rId3"/>
-              </a:rPr>
-              <a:t>a</a:t>
-            </a:r>
-            <a:r>
-              <a:rPr sz="1400" spc="-30" dirty="0">
-                <a:latin typeface="Verdana"/>
-                <a:cs typeface="Verdana"/>
-                <a:hlinkClick r:id="rId3"/>
-              </a:rPr>
-              <a:t>t</a:t>
-            </a:r>
-            <a:r>
-              <a:rPr sz="1400" spc="45" dirty="0">
-                <a:latin typeface="Verdana"/>
-                <a:cs typeface="Verdana"/>
-                <a:hlinkClick r:id="rId3"/>
-              </a:rPr>
-              <a:t>o</a:t>
-            </a:r>
-            <a:r>
-              <a:rPr sz="1400" spc="10" dirty="0">
-                <a:latin typeface="Verdana"/>
-                <a:cs typeface="Verdana"/>
-                <a:hlinkClick r:id="rId3"/>
-              </a:rPr>
-              <a:t>.u</a:t>
-            </a:r>
-            <a:r>
-              <a:rPr sz="1400" spc="25" dirty="0">
-                <a:latin typeface="Verdana"/>
-                <a:cs typeface="Verdana"/>
-                <a:hlinkClick r:id="rId3"/>
-              </a:rPr>
-              <a:t>d</a:t>
-            </a:r>
-            <a:r>
-              <a:rPr sz="1400" spc="-10" dirty="0">
-                <a:latin typeface="Verdana"/>
-                <a:cs typeface="Verdana"/>
-                <a:hlinkClick r:id="rId3"/>
-              </a:rPr>
-              <a:t>e</a:t>
-            </a:r>
-            <a:r>
-              <a:rPr sz="1400" spc="15" dirty="0">
-                <a:latin typeface="Verdana"/>
-                <a:cs typeface="Verdana"/>
-                <a:hlinkClick r:id="rId3"/>
-              </a:rPr>
-              <a:t>sc@</a:t>
-            </a:r>
-            <a:r>
-              <a:rPr sz="1400" spc="25" dirty="0">
-                <a:latin typeface="Verdana"/>
-                <a:cs typeface="Verdana"/>
-                <a:hlinkClick r:id="rId3"/>
-              </a:rPr>
-              <a:t>g</a:t>
-            </a:r>
-            <a:r>
-              <a:rPr sz="1400" spc="-15" dirty="0">
-                <a:latin typeface="Verdana"/>
-                <a:cs typeface="Verdana"/>
-                <a:hlinkClick r:id="rId3"/>
-              </a:rPr>
-              <a:t>mai</a:t>
-            </a:r>
-            <a:r>
-              <a:rPr sz="1400" spc="60" dirty="0">
-                <a:latin typeface="Verdana"/>
-                <a:cs typeface="Verdana"/>
-                <a:hlinkClick r:id="rId3"/>
-              </a:rPr>
-              <a:t>l</a:t>
-            </a:r>
-            <a:r>
-              <a:rPr sz="1400" spc="-60" dirty="0">
-                <a:latin typeface="Verdana"/>
-                <a:cs typeface="Verdana"/>
-                <a:hlinkClick r:id="rId3"/>
-              </a:rPr>
-              <a:t>.</a:t>
-            </a:r>
-            <a:r>
-              <a:rPr sz="1400" spc="10" dirty="0">
-                <a:latin typeface="Verdana"/>
-                <a:cs typeface="Verdana"/>
-                <a:hlinkClick r:id="rId3"/>
-              </a:rPr>
-              <a:t>c</a:t>
-            </a:r>
-            <a:r>
-              <a:rPr sz="1400" spc="-25" dirty="0">
-                <a:latin typeface="Verdana"/>
-                <a:cs typeface="Verdana"/>
-                <a:hlinkClick r:id="rId3"/>
-              </a:rPr>
-              <a:t>o</a:t>
-            </a:r>
-            <a:r>
-              <a:rPr sz="1400" spc="15" dirty="0">
-                <a:latin typeface="Verdana"/>
-                <a:cs typeface="Verdana"/>
-                <a:hlinkClick r:id="rId3"/>
-              </a:rPr>
-              <a:t>m </a:t>
-            </a:r>
-            <a:r>
-              <a:rPr sz="1400" spc="5" dirty="0">
-                <a:latin typeface="Verdana"/>
-                <a:cs typeface="Verdana"/>
-              </a:rPr>
-              <a:t> </a:t>
-            </a:r>
-            <a:r>
-              <a:rPr sz="1400" spc="15" dirty="0">
-                <a:latin typeface="Verdana"/>
-                <a:cs typeface="Verdana"/>
-                <a:hlinkClick r:id="rId4"/>
-              </a:rPr>
-              <a:t>www.udesc.br</a:t>
-            </a:r>
-            <a:endParaRPr sz="1400">
+              <a:t>ceavi</a:t>
+            </a:r>
+            <a:endParaRPr sz="1400" dirty="0">
               <a:latin typeface="Verdana"/>
               <a:cs typeface="Verdana"/>
             </a:endParaRPr>
@@ -3367,11 +3265,11 @@
               <a:rPr sz="1400" spc="5" dirty="0">
                 <a:latin typeface="Verdana"/>
                 <a:cs typeface="Verdana"/>
-                <a:hlinkClick r:id="rId5"/>
+                <a:hlinkClick r:id="rId4"/>
               </a:rPr>
               <a:t>www.facebook.com/udesc</a:t>
             </a:r>
-            <a:endParaRPr sz="1400">
+            <a:endParaRPr sz="1400" dirty="0">
               <a:latin typeface="Verdana"/>
               <a:cs typeface="Verdana"/>
             </a:endParaRPr>
@@ -3385,7 +3283,7 @@
                 <a:spcPts val="30"/>
               </a:spcBef>
             </a:pPr>
-            <a:endParaRPr sz="1450">
+            <a:endParaRPr sz="1450" dirty="0">
               <a:latin typeface="Times New Roman"/>
               <a:cs typeface="Times New Roman"/>
             </a:endParaRPr>
@@ -3401,7 +3299,21 @@
                 <a:latin typeface="Verdana"/>
                 <a:cs typeface="Verdana"/>
               </a:rPr>
-              <a:t>(48)</a:t>
+              <a:t>(4</a:t>
+            </a:r>
+            <a:r>
+              <a:rPr lang="pt-BR" sz="1400" spc="15" dirty="0">
+                <a:latin typeface="Verdana"/>
+                <a:cs typeface="Verdana"/>
+              </a:rPr>
+              <a:t>7</a:t>
+            </a:r>
+            <a:r>
+              <a:rPr sz="1400" spc="15" dirty="0">
+                <a:latin typeface="Verdana"/>
+                <a:cs typeface="Verdana"/>
+              </a:rPr>
+              <a:t>)</a:t>
             </a:r>
             <a:r>
               <a:rPr sz="1400" spc="-100" dirty="0">
@@ -3411,13 +3323,13 @@
               <a:t> </a:t>
             </a:r>
             <a:r>
-              <a:rPr sz="1400" spc="10" dirty="0">
+              <a:rPr lang="pt-BR" sz="1400" spc="10" dirty="0">
                 <a:latin typeface="Verdana"/>
                 <a:cs typeface="Verdana"/>
               </a:rPr>
-              <a:t>3664-8000</a:t>
-            </a:r>
-            <a:endParaRPr sz="1400">
+              <a:t>3357-8484</a:t>
+            </a:r>
+            <a:endParaRPr sz="1400" dirty="0">
               <a:latin typeface="Verdana"/>
               <a:cs typeface="Verdana"/>
             </a:endParaRPr>
@@ -3431,7 +3343,7 @@
                 <a:spcPts val="55"/>
               </a:spcBef>
             </a:pPr>
-            <a:endParaRPr sz="1500">
+            <a:endParaRPr sz="1500" dirty="0">
               <a:latin typeface="Times New Roman"/>
               <a:cs typeface="Times New Roman"/>
             </a:endParaRPr>
@@ -3443,105 +3355,31 @@
               </a:lnSpc>
             </a:pPr>
             <a:r>
-              <a:rPr sz="1400" spc="10" dirty="0">
+              <a:rPr sz="1400" spc="10" dirty="0" err="1">
                 <a:latin typeface="Verdana"/>
                 <a:cs typeface="Verdana"/>
               </a:rPr>
-              <a:t>Rua Madre </a:t>
-            </a:r>
-            <a:r>
-              <a:rPr sz="1400" dirty="0">
+              <a:t>Rua</a:t>
+            </a:r>
+            <a:r>
+              <a:rPr lang="pt-BR" sz="1400" spc="10" dirty="0">
                 <a:latin typeface="Verdana"/>
                 <a:cs typeface="Verdana"/>
               </a:rPr>
-              <a:t>Benvenuta, </a:t>
-            </a:r>
-            <a:r>
-              <a:rPr sz="1400" spc="5" dirty="0">
+              <a:t> Dr. Getúlio Vargas, 2822 – Bela Vista</a:t>
+            </a:r>
+            <a:r>
+              <a:rPr lang="pt-BR" sz="1400" spc="10">
                 <a:latin typeface="Verdana"/>
                 <a:cs typeface="Verdana"/>
               </a:rPr>
-              <a:t>2007,</a:t>
-            </a:r>
-            <a:r>
-              <a:rPr sz="1400" spc="-265" dirty="0">
-                <a:latin typeface="Verdana"/>
-                <a:cs typeface="Verdana"/>
-              </a:rPr>
-              <a:t> </a:t>
-            </a:r>
-            <a:r>
-              <a:rPr sz="1400" spc="5" dirty="0">
-                <a:latin typeface="Verdana"/>
-                <a:cs typeface="Verdana"/>
-              </a:rPr>
-              <a:t>Itacorubi  </a:t>
-            </a:r>
-            <a:r>
-              <a:rPr sz="1400" spc="15" dirty="0">
-                <a:latin typeface="Verdana"/>
-                <a:cs typeface="Verdana"/>
-              </a:rPr>
-              <a:t>Florianópolis </a:t>
-            </a:r>
-            <a:r>
-              <a:rPr sz="1400" spc="10" dirty="0">
-                <a:latin typeface="Verdana"/>
-                <a:cs typeface="Verdana"/>
-              </a:rPr>
-              <a:t>-</a:t>
-            </a:r>
-            <a:r>
-              <a:rPr sz="1400" spc="-295" dirty="0">
-                <a:latin typeface="Verdana"/>
-                <a:cs typeface="Verdana"/>
-              </a:rPr>
-              <a:t> </a:t>
-            </a:r>
-            <a:r>
-              <a:rPr sz="1400" spc="10" dirty="0">
-                <a:latin typeface="Verdana"/>
-                <a:cs typeface="Verdana"/>
-              </a:rPr>
-              <a:t>SC</a:t>
-            </a:r>
-            <a:endParaRPr sz="1400">
+              <a:t>, Ibirama-SC</a:t>
+            </a:r>
+            <a:endParaRPr sz="1400" dirty="0">
               <a:latin typeface="Verdana"/>
               <a:cs typeface="Verdana"/>
             </a:endParaRPr>
           </a:p>
-          <a:p>
-            <a:pPr marL="12700">
-              <a:lnSpc>
-                <a:spcPct val="100000"/>
-              </a:lnSpc>
-            </a:pPr>
-            <a:r>
-              <a:rPr sz="1400" spc="5" dirty="0">
-                <a:latin typeface="Verdana"/>
-                <a:cs typeface="Verdana"/>
-              </a:rPr>
-              <a:t>CEP</a:t>
-            </a:r>
-            <a:r>
-              <a:rPr sz="1400" spc="-10" dirty="0">
-                <a:latin typeface="Verdana"/>
-                <a:cs typeface="Verdana"/>
-              </a:rPr>
-              <a:t> </a:t>
-            </a:r>
-            <a:r>
-              <a:rPr sz="1400" spc="10" dirty="0">
-                <a:latin typeface="Verdana"/>
-                <a:cs typeface="Verdana"/>
-              </a:rPr>
-              <a:t>88035-901</a:t>
-            </a:r>
-            <a:endParaRPr sz="1400">
-              <a:latin typeface="Verdana"/>
-              <a:cs typeface="Verdana"/>
-            </a:endParaRPr>
-          </a:p>
         </p:txBody>
       </p:sp>
       <p:sp>
@@ -3559,7 +3397,7 @@
             <a:avLst/>
           </a:prstGeom>
           <a:blipFill>
-            <a:blip r:embed="rId6" cstate="print"/>
+            <a:blip r:embed="rId5" cstate="print"/>
             <a:stretch>
               <a:fillRect/>
             </a:stretch>

--- a/Apresentação.pptx
+++ b/Apresentação.pptx
@@ -8,10 +8,11 @@
     <p:sldId id="256" r:id="rId2"/>
     <p:sldId id="258" r:id="rId3"/>
     <p:sldId id="269" r:id="rId4"/>
-    <p:sldId id="270" r:id="rId5"/>
-    <p:sldId id="271" r:id="rId6"/>
-    <p:sldId id="272" r:id="rId7"/>
-    <p:sldId id="268" r:id="rId8"/>
+    <p:sldId id="273" r:id="rId5"/>
+    <p:sldId id="270" r:id="rId6"/>
+    <p:sldId id="271" r:id="rId7"/>
+    <p:sldId id="272" r:id="rId8"/>
+    <p:sldId id="268" r:id="rId9"/>
   </p:sldIdLst>
   <p:sldSz cx="9144000" cy="6858000" type="screen4x3"/>
   <p:notesSz cx="9144000" cy="6858000"/>
@@ -268,7 +269,7 @@
           <a:p>
             <a:fld id="{1D8BD707-D9CF-40AE-B4C6-C98DA3205C09}" type="datetimeFigureOut">
               <a:rPr lang="en-US"/>
-              <a:t>10/24/2021</a:t>
+              <a:t>10/25/2021</a:t>
             </a:fld>
             <a:endParaRPr lang="en-US"/>
           </a:p>
@@ -445,7 +446,7 @@
           <a:p>
             <a:fld id="{1D8BD707-D9CF-40AE-B4C6-C98DA3205C09}" type="datetimeFigureOut">
               <a:rPr lang="en-US"/>
-              <a:t>10/24/2021</a:t>
+              <a:t>10/25/2021</a:t>
             </a:fld>
             <a:endParaRPr lang="en-US"/>
           </a:p>
@@ -659,7 +660,7 @@
           <a:p>
             <a:fld id="{1D8BD707-D9CF-40AE-B4C6-C98DA3205C09}" type="datetimeFigureOut">
               <a:rPr lang="en-US"/>
-              <a:t>10/24/2021</a:t>
+              <a:t>10/25/2021</a:t>
             </a:fld>
             <a:endParaRPr lang="en-US"/>
           </a:p>
@@ -807,7 +808,7 @@
           <a:p>
             <a:fld id="{1D8BD707-D9CF-40AE-B4C6-C98DA3205C09}" type="datetimeFigureOut">
               <a:rPr lang="en-US"/>
-              <a:t>10/24/2021</a:t>
+              <a:t>10/25/2021</a:t>
             </a:fld>
             <a:endParaRPr lang="en-US"/>
           </a:p>
@@ -926,7 +927,7 @@
           <a:p>
             <a:fld id="{1D8BD707-D9CF-40AE-B4C6-C98DA3205C09}" type="datetimeFigureOut">
               <a:rPr lang="en-US"/>
-              <a:t>10/24/2021</a:t>
+              <a:t>10/25/2021</a:t>
             </a:fld>
             <a:endParaRPr lang="en-US"/>
           </a:p>
@@ -1201,7 +1202,7 @@
           <a:p>
             <a:fld id="{1D8BD707-D9CF-40AE-B4C6-C98DA3205C09}" type="datetimeFigureOut">
               <a:rPr lang="en-US"/>
-              <a:t>10/24/2021</a:t>
+              <a:t>10/25/2021</a:t>
             </a:fld>
             <a:endParaRPr lang="en-US"/>
           </a:p>
@@ -1483,21 +1484,7 @@
                 <a:latin typeface="Verdana"/>
                 <a:cs typeface="Verdana"/>
               </a:rPr>
-              <a:t>Nome dos</a:t>
-            </a:r>
-            <a:r>
-              <a:rPr sz="1550" spc="-5" dirty="0">
-                <a:latin typeface="Verdana"/>
-                <a:cs typeface="Verdana"/>
-              </a:rPr>
-              <a:t> </a:t>
-            </a:r>
-            <a:r>
-              <a:rPr lang="pt-BR" sz="1550" spc="10" dirty="0">
-                <a:latin typeface="Verdana"/>
-                <a:cs typeface="Verdana"/>
-              </a:rPr>
-              <a:t>aluno</a:t>
+              <a:t>Robson de Jesus</a:t>
             </a:r>
             <a:endParaRPr sz="1550" dirty="0">
               <a:latin typeface="Verdana"/>
@@ -2463,7 +2450,7 @@
         <p:spPr>
           <a:xfrm>
             <a:off x="472756" y="367030"/>
-            <a:ext cx="4937443" cy="567463"/>
+            <a:ext cx="7528243" cy="567463"/>
           </a:xfrm>
           <a:prstGeom prst="rect">
             <a:avLst/>
@@ -2485,7 +2472,11 @@
             </a:pPr>
             <a:r>
               <a:rPr lang="pt-BR" sz="3600" b="0" spc="-5" dirty="0"/>
-              <a:t>Modelo Base</a:t>
+              <a:t>Modelo de Posições </a:t>
+            </a:r>
+            <a:r>
+              <a:rPr lang="pt-BR" sz="3600" b="0" spc="-5" dirty="0" err="1"/>
+              <a:t>String</a:t>
             </a:r>
             <a:endParaRPr sz="3600" dirty="0">
               <a:latin typeface="Verdana"/>
@@ -2544,16 +2535,221 @@
           </a:p>
         </p:txBody>
       </p:sp>
+      <p:sp>
+        <p:nvSpPr>
+          <p:cNvPr id="5" name="object 5"/>
+          <p:cNvSpPr txBox="1"/>
+          <p:nvPr/>
+        </p:nvSpPr>
+        <p:spPr>
+          <a:xfrm>
+            <a:off x="690880" y="1725231"/>
+            <a:ext cx="7609840" cy="3717043"/>
+          </a:xfrm>
+          <a:prstGeom prst="rect">
+            <a:avLst/>
+          </a:prstGeom>
+        </p:spPr>
+        <p:txBody>
+          <a:bodyPr vert="horz" wrap="square" lIns="0" tIns="13335" rIns="0" bIns="0" rtlCol="0">
+            <a:spAutoFit/>
+          </a:bodyPr>
+          <a:lstStyle/>
+          <a:p>
+            <a:pPr algn="just"/>
+            <a:r>
+              <a:rPr lang="pt-BR" dirty="0"/>
+              <a:t>Para o modelo de “Pessoa” e “departamento”, a manipulação dos dados é realizada a partir de mensagens recebidas do cliente, via Socket. A mensagem é uma </a:t>
+            </a:r>
+            <a:r>
+              <a:rPr lang="pt-BR" dirty="0" err="1"/>
+              <a:t>String</a:t>
+            </a:r>
+            <a:r>
+              <a:rPr lang="pt-BR" dirty="0"/>
+              <a:t> cujo tamanho é exatamente 232(Pessoa) 220(Departamento) caracteres. Essa </a:t>
+            </a:r>
+            <a:r>
+              <a:rPr lang="pt-BR" dirty="0" err="1"/>
+              <a:t>String</a:t>
+            </a:r>
+            <a:r>
+              <a:rPr lang="pt-BR" dirty="0"/>
+              <a:t> contem em posições específicas a operação de manipulação e os dados requeridos, conforme a tabela abaixo: </a:t>
+            </a:r>
+          </a:p>
+          <a:p>
+            <a:pPr marL="12065" marR="180340">
+              <a:lnSpc>
+                <a:spcPct val="99700"/>
+              </a:lnSpc>
+              <a:spcBef>
+                <a:spcPts val="105"/>
+              </a:spcBef>
+              <a:tabLst>
+                <a:tab pos="298450" algn="l"/>
+                <a:tab pos="299085" algn="l"/>
+              </a:tabLst>
+            </a:pPr>
+            <a:endParaRPr lang="pt-BR" dirty="0">
+              <a:latin typeface="Verdana"/>
+              <a:cs typeface="Verdana"/>
+            </a:endParaRPr>
+          </a:p>
+          <a:p>
+            <a:pPr marL="298450" marR="180340" indent="-286385">
+              <a:lnSpc>
+                <a:spcPct val="99700"/>
+              </a:lnSpc>
+              <a:spcBef>
+                <a:spcPts val="105"/>
+              </a:spcBef>
+              <a:buFont typeface="Arial"/>
+              <a:buChar char="•"/>
+              <a:tabLst>
+                <a:tab pos="298450" algn="l"/>
+                <a:tab pos="299085" algn="l"/>
+              </a:tabLst>
+            </a:pPr>
+            <a:endParaRPr lang="pt-BR" sz="1800" dirty="0">
+              <a:latin typeface="Verdana"/>
+              <a:cs typeface="Verdana"/>
+            </a:endParaRPr>
+          </a:p>
+          <a:p>
+            <a:pPr marL="298450" marR="180340" indent="-286385">
+              <a:lnSpc>
+                <a:spcPct val="99700"/>
+              </a:lnSpc>
+              <a:spcBef>
+                <a:spcPts val="105"/>
+              </a:spcBef>
+              <a:buFont typeface="Arial"/>
+              <a:buChar char="•"/>
+              <a:tabLst>
+                <a:tab pos="298450" algn="l"/>
+                <a:tab pos="299085" algn="l"/>
+              </a:tabLst>
+            </a:pPr>
+            <a:endParaRPr lang="pt-BR" dirty="0">
+              <a:latin typeface="Verdana"/>
+              <a:cs typeface="Verdana"/>
+            </a:endParaRPr>
+          </a:p>
+          <a:p>
+            <a:pPr marL="298450" marR="180340" indent="-286385">
+              <a:lnSpc>
+                <a:spcPct val="99700"/>
+              </a:lnSpc>
+              <a:spcBef>
+                <a:spcPts val="105"/>
+              </a:spcBef>
+              <a:buFont typeface="Arial"/>
+              <a:buChar char="•"/>
+              <a:tabLst>
+                <a:tab pos="298450" algn="l"/>
+                <a:tab pos="299085" algn="l"/>
+              </a:tabLst>
+            </a:pPr>
+            <a:endParaRPr lang="pt-BR" sz="1800" dirty="0">
+              <a:latin typeface="Verdana"/>
+              <a:cs typeface="Verdana"/>
+            </a:endParaRPr>
+          </a:p>
+          <a:p>
+            <a:pPr marL="298450" marR="180340" indent="-286385">
+              <a:lnSpc>
+                <a:spcPct val="99700"/>
+              </a:lnSpc>
+              <a:spcBef>
+                <a:spcPts val="105"/>
+              </a:spcBef>
+              <a:buFont typeface="Arial"/>
+              <a:buChar char="•"/>
+              <a:tabLst>
+                <a:tab pos="298450" algn="l"/>
+                <a:tab pos="299085" algn="l"/>
+              </a:tabLst>
+            </a:pPr>
+            <a:endParaRPr lang="pt-BR" dirty="0">
+              <a:latin typeface="Verdana"/>
+              <a:cs typeface="Verdana"/>
+            </a:endParaRPr>
+          </a:p>
+          <a:p>
+            <a:pPr marL="298450" marR="180340" indent="-286385">
+              <a:lnSpc>
+                <a:spcPct val="99700"/>
+              </a:lnSpc>
+              <a:spcBef>
+                <a:spcPts val="105"/>
+              </a:spcBef>
+              <a:buFont typeface="Arial"/>
+              <a:buChar char="•"/>
+              <a:tabLst>
+                <a:tab pos="298450" algn="l"/>
+                <a:tab pos="299085" algn="l"/>
+              </a:tabLst>
+            </a:pPr>
+            <a:endParaRPr lang="pt-BR" sz="1800" dirty="0">
+              <a:latin typeface="Verdana"/>
+              <a:cs typeface="Verdana"/>
+            </a:endParaRPr>
+          </a:p>
+          <a:p>
+            <a:pPr marL="298450" marR="180340" indent="-286385">
+              <a:lnSpc>
+                <a:spcPct val="99700"/>
+              </a:lnSpc>
+              <a:spcBef>
+                <a:spcPts val="105"/>
+              </a:spcBef>
+              <a:buFont typeface="Arial"/>
+              <a:buChar char="•"/>
+              <a:tabLst>
+                <a:tab pos="298450" algn="l"/>
+                <a:tab pos="299085" algn="l"/>
+              </a:tabLst>
+            </a:pPr>
+            <a:endParaRPr lang="pt-BR" dirty="0">
+              <a:latin typeface="Verdana"/>
+              <a:cs typeface="Verdana"/>
+            </a:endParaRPr>
+          </a:p>
+          <a:p>
+            <a:pPr marL="298450" marR="180340" indent="-286385">
+              <a:lnSpc>
+                <a:spcPct val="99700"/>
+              </a:lnSpc>
+              <a:spcBef>
+                <a:spcPts val="105"/>
+              </a:spcBef>
+              <a:buFont typeface="Arial"/>
+              <a:buChar char="•"/>
+              <a:tabLst>
+                <a:tab pos="298450" algn="l"/>
+                <a:tab pos="299085" algn="l"/>
+              </a:tabLst>
+            </a:pPr>
+            <a:endParaRPr lang="pt-BR" sz="1800" dirty="0">
+              <a:latin typeface="Verdana"/>
+              <a:cs typeface="Verdana"/>
+            </a:endParaRPr>
+          </a:p>
+        </p:txBody>
+      </p:sp>
       <p:pic>
         <p:nvPicPr>
-          <p:cNvPr id="6" name="Imagem 5">
+          <p:cNvPr id="9" name="Imagem 8">
             <a:extLst>
               <a:ext uri="{FF2B5EF4-FFF2-40B4-BE49-F238E27FC236}">
-                <a16:creationId xmlns:a16="http://schemas.microsoft.com/office/drawing/2014/main" id="{C665CA61-730B-42B1-A767-66CF10099267}"/>
+                <a16:creationId xmlns:a16="http://schemas.microsoft.com/office/drawing/2014/main" id="{0FB6AC2F-CBE5-46C9-86D0-0495055636CC}"/>
               </a:ext>
             </a:extLst>
           </p:cNvPr>
-          <p:cNvPicPr/>
+          <p:cNvPicPr>
+            <a:picLocks noChangeAspect="1"/>
+          </p:cNvPicPr>
           <p:nvPr/>
         </p:nvPicPr>
         <p:blipFill>
@@ -2564,8 +2760,8 @@
         </p:blipFill>
         <p:spPr>
           <a:xfrm>
-            <a:off x="990600" y="1447800"/>
-            <a:ext cx="7010400" cy="3657600"/>
+            <a:off x="766161" y="3566736"/>
+            <a:ext cx="7459277" cy="2050118"/>
           </a:xfrm>
           <a:prstGeom prst="rect">
             <a:avLst/>
@@ -2575,7 +2771,7 @@
     </p:spTree>
     <p:extLst>
       <p:ext uri="{BB962C8B-B14F-4D97-AF65-F5344CB8AC3E}">
-        <p14:creationId xmlns:p14="http://schemas.microsoft.com/office/powerpoint/2010/main" val="3973650425"/>
+        <p14:creationId xmlns:p14="http://schemas.microsoft.com/office/powerpoint/2010/main" val="1056880351"/>
       </p:ext>
     </p:extLst>
   </p:cSld>
@@ -2644,7 +2840,7 @@
         <p:spPr>
           <a:xfrm>
             <a:off x="472756" y="367030"/>
-            <a:ext cx="8061643" cy="567463"/>
+            <a:ext cx="4937443" cy="567463"/>
           </a:xfrm>
           <a:prstGeom prst="rect">
             <a:avLst/>
@@ -2666,7 +2862,7 @@
             </a:pPr>
             <a:r>
               <a:rPr lang="pt-BR" sz="3600" b="0" spc="-5" dirty="0"/>
-              <a:t>Diagrama Aplicação Cliente</a:t>
+              <a:t>Modelo Base</a:t>
             </a:r>
             <a:endParaRPr sz="3600" dirty="0">
               <a:latin typeface="Verdana"/>
@@ -2730,7 +2926,7 @@
           <p:cNvPr id="6" name="Imagem 5">
             <a:extLst>
               <a:ext uri="{FF2B5EF4-FFF2-40B4-BE49-F238E27FC236}">
-                <a16:creationId xmlns:a16="http://schemas.microsoft.com/office/drawing/2014/main" id="{81E86637-F31C-4340-A1E0-B0263D95BB57}"/>
+                <a16:creationId xmlns:a16="http://schemas.microsoft.com/office/drawing/2014/main" id="{C665CA61-730B-42B1-A767-66CF10099267}"/>
               </a:ext>
             </a:extLst>
           </p:cNvPr>
@@ -2745,8 +2941,8 @@
         </p:blipFill>
         <p:spPr>
           <a:xfrm>
-            <a:off x="369570" y="1303137"/>
-            <a:ext cx="8393430" cy="4641850"/>
+            <a:off x="914400" y="1219200"/>
+            <a:ext cx="7086600" cy="3733800"/>
           </a:xfrm>
           <a:prstGeom prst="rect">
             <a:avLst/>
@@ -2756,7 +2952,7 @@
     </p:spTree>
     <p:extLst>
       <p:ext uri="{BB962C8B-B14F-4D97-AF65-F5344CB8AC3E}">
-        <p14:creationId xmlns:p14="http://schemas.microsoft.com/office/powerpoint/2010/main" val="926495895"/>
+        <p14:creationId xmlns:p14="http://schemas.microsoft.com/office/powerpoint/2010/main" val="3973650425"/>
       </p:ext>
     </p:extLst>
   </p:cSld>
@@ -2825,7 +3021,7 @@
         <p:spPr>
           <a:xfrm>
             <a:off x="472756" y="367030"/>
-            <a:ext cx="7980363" cy="567463"/>
+            <a:ext cx="8061643" cy="567463"/>
           </a:xfrm>
           <a:prstGeom prst="rect">
             <a:avLst/>
@@ -2847,7 +3043,7 @@
             </a:pPr>
             <a:r>
               <a:rPr lang="pt-BR" sz="3600" b="0" spc="-5" dirty="0"/>
-              <a:t>Diagrama aplicação Servidor</a:t>
+              <a:t>Diagrama Aplicação Cliente</a:t>
             </a:r>
             <a:endParaRPr sz="3600" dirty="0">
               <a:latin typeface="Verdana"/>
@@ -2911,6 +3107,187 @@
           <p:cNvPr id="6" name="Imagem 5">
             <a:extLst>
               <a:ext uri="{FF2B5EF4-FFF2-40B4-BE49-F238E27FC236}">
+                <a16:creationId xmlns:a16="http://schemas.microsoft.com/office/drawing/2014/main" id="{81E86637-F31C-4340-A1E0-B0263D95BB57}"/>
+              </a:ext>
+            </a:extLst>
+          </p:cNvPr>
+          <p:cNvPicPr/>
+          <p:nvPr/>
+        </p:nvPicPr>
+        <p:blipFill>
+          <a:blip r:embed="rId3"/>
+          <a:stretch>
+            <a:fillRect/>
+          </a:stretch>
+        </p:blipFill>
+        <p:spPr>
+          <a:xfrm>
+            <a:off x="369570" y="1303137"/>
+            <a:ext cx="8393430" cy="4641850"/>
+          </a:xfrm>
+          <a:prstGeom prst="rect">
+            <a:avLst/>
+          </a:prstGeom>
+        </p:spPr>
+      </p:pic>
+    </p:spTree>
+    <p:extLst>
+      <p:ext uri="{BB962C8B-B14F-4D97-AF65-F5344CB8AC3E}">
+        <p14:creationId xmlns:p14="http://schemas.microsoft.com/office/powerpoint/2010/main" val="926495895"/>
+      </p:ext>
+    </p:extLst>
+  </p:cSld>
+  <p:clrMapOvr>
+    <a:masterClrMapping/>
+  </p:clrMapOvr>
+</p:sld>
+</file>
+
+<file path=ppt/slides/slide7.xml><?xml version="1.0" encoding="utf-8"?>
+<p:sld xmlns:a="http://schemas.openxmlformats.org/drawingml/2006/main" xmlns:r="http://schemas.openxmlformats.org/officeDocument/2006/relationships" xmlns:p="http://schemas.openxmlformats.org/presentationml/2006/main">
+  <p:cSld>
+    <p:spTree>
+      <p:nvGrpSpPr>
+        <p:cNvPr id="1" name=""/>
+        <p:cNvGrpSpPr/>
+        <p:nvPr/>
+      </p:nvGrpSpPr>
+      <p:grpSpPr>
+        <a:xfrm>
+          <a:off x="0" y="0"/>
+          <a:ext cx="0" cy="0"/>
+          <a:chOff x="0" y="0"/>
+          <a:chExt cx="0" cy="0"/>
+        </a:xfrm>
+      </p:grpSpPr>
+      <p:sp>
+        <p:nvSpPr>
+          <p:cNvPr id="2" name="object 2"/>
+          <p:cNvSpPr/>
+          <p:nvPr/>
+        </p:nvSpPr>
+        <p:spPr>
+          <a:xfrm>
+            <a:off x="285750" y="6381750"/>
+            <a:ext cx="1676400" cy="295275"/>
+          </a:xfrm>
+          <a:prstGeom prst="rect">
+            <a:avLst/>
+          </a:prstGeom>
+          <a:blipFill>
+            <a:blip r:embed="rId2" cstate="print"/>
+            <a:stretch>
+              <a:fillRect/>
+            </a:stretch>
+          </a:blipFill>
+        </p:spPr>
+        <p:txBody>
+          <a:bodyPr wrap="square" lIns="0" tIns="0" rIns="0" bIns="0" rtlCol="0"/>
+          <a:lstStyle/>
+          <a:p>
+            <a:endParaRPr/>
+          </a:p>
+        </p:txBody>
+      </p:sp>
+      <p:sp>
+        <p:nvSpPr>
+          <p:cNvPr id="3" name="object 3"/>
+          <p:cNvSpPr txBox="1">
+            <a:spLocks noGrp="1"/>
+          </p:cNvSpPr>
+          <p:nvPr>
+            <p:ph type="title"/>
+          </p:nvPr>
+        </p:nvSpPr>
+        <p:spPr>
+          <a:xfrm>
+            <a:off x="472756" y="367030"/>
+            <a:ext cx="7980363" cy="567463"/>
+          </a:xfrm>
+          <a:prstGeom prst="rect">
+            <a:avLst/>
+          </a:prstGeom>
+        </p:spPr>
+        <p:txBody>
+          <a:bodyPr vert="horz" wrap="square" lIns="0" tIns="13335" rIns="0" bIns="0" rtlCol="0">
+            <a:spAutoFit/>
+          </a:bodyPr>
+          <a:lstStyle/>
+          <a:p>
+            <a:pPr marL="12700">
+              <a:lnSpc>
+                <a:spcPct val="100000"/>
+              </a:lnSpc>
+              <a:spcBef>
+                <a:spcPts val="105"/>
+              </a:spcBef>
+            </a:pPr>
+            <a:r>
+              <a:rPr lang="pt-BR" sz="3600" b="0" spc="-5" dirty="0"/>
+              <a:t>Diagrama aplicação Servidor</a:t>
+            </a:r>
+            <a:endParaRPr sz="3600" dirty="0">
+              <a:latin typeface="Verdana"/>
+              <a:cs typeface="Verdana"/>
+            </a:endParaRPr>
+          </a:p>
+        </p:txBody>
+      </p:sp>
+      <p:sp>
+        <p:nvSpPr>
+          <p:cNvPr id="4" name="object 4"/>
+          <p:cNvSpPr/>
+          <p:nvPr/>
+        </p:nvSpPr>
+        <p:spPr>
+          <a:xfrm>
+            <a:off x="0" y="476250"/>
+            <a:ext cx="285750" cy="361950"/>
+          </a:xfrm>
+          <a:custGeom>
+            <a:avLst/>
+            <a:gdLst/>
+            <a:ahLst/>
+            <a:cxnLst/>
+            <a:rect l="l" t="t" r="r" b="b"/>
+            <a:pathLst>
+              <a:path w="285750" h="361950">
+                <a:moveTo>
+                  <a:pt x="0" y="361950"/>
+                </a:moveTo>
+                <a:lnTo>
+                  <a:pt x="285750" y="361950"/>
+                </a:lnTo>
+                <a:lnTo>
+                  <a:pt x="285750" y="0"/>
+                </a:lnTo>
+                <a:lnTo>
+                  <a:pt x="0" y="0"/>
+                </a:lnTo>
+                <a:lnTo>
+                  <a:pt x="0" y="361950"/>
+                </a:lnTo>
+                <a:close/>
+              </a:path>
+            </a:pathLst>
+          </a:custGeom>
+          <a:solidFill>
+            <a:srgbClr val="139B54"/>
+          </a:solidFill>
+        </p:spPr>
+        <p:txBody>
+          <a:bodyPr wrap="square" lIns="0" tIns="0" rIns="0" bIns="0" rtlCol="0"/>
+          <a:lstStyle/>
+          <a:p>
+            <a:endParaRPr/>
+          </a:p>
+        </p:txBody>
+      </p:sp>
+      <p:pic>
+        <p:nvPicPr>
+          <p:cNvPr id="6" name="Imagem 5">
+            <a:extLst>
+              <a:ext uri="{FF2B5EF4-FFF2-40B4-BE49-F238E27FC236}">
                 <a16:creationId xmlns:a16="http://schemas.microsoft.com/office/drawing/2014/main" id="{372E2D03-7FB3-467B-B812-7FA019F20394}"/>
               </a:ext>
             </a:extLst>
@@ -2947,7 +3324,7 @@
 </p:sld>
 </file>
 
-<file path=ppt/slides/slide7.xml><?xml version="1.0" encoding="utf-8"?>
+<file path=ppt/slides/slide8.xml><?xml version="1.0" encoding="utf-8"?>
 <p:sld xmlns:a="http://schemas.openxmlformats.org/drawingml/2006/main" xmlns:r="http://schemas.openxmlformats.org/officeDocument/2006/relationships" xmlns:p="http://schemas.openxmlformats.org/presentationml/2006/main">
   <p:cSld>
     <p:spTree>
